--- a/PhanLoaiModel.pptx
+++ b/PhanLoaiModel.pptx
@@ -107,6 +107,11 @@
       </a:defRPr>
     </a:lvl9pPr>
   </p:defaultTextStyle>
+  <p:extLst>
+    <p:ext uri="{EFAFB233-063F-42B5-8137-9DF3F51BA10A}">
+      <p15:sldGuideLst xmlns:p15="http://schemas.microsoft.com/office/powerpoint/2012/main"/>
+    </p:ext>
+  </p:extLst>
 </p:presentation>
 </file>
 
@@ -3415,7 +3420,7 @@
         </p:nvSpPr>
         <p:spPr>
           <a:xfrm>
-            <a:off x="718087" y="1438617"/>
+            <a:off x="2420277" y="1663700"/>
             <a:ext cx="2755900" cy="4279900"/>
           </a:xfrm>
           <a:prstGeom prst="roundRect">
@@ -3423,6 +3428,36 @@
               <a:gd name="adj" fmla="val 7911"/>
             </a:avLst>
           </a:prstGeom>
+          <a:gradFill flip="none" rotWithShape="1">
+            <a:gsLst>
+              <a:gs pos="0">
+                <a:schemeClr val="accent5">
+                  <a:lumMod val="5000"/>
+                  <a:lumOff val="95000"/>
+                </a:schemeClr>
+              </a:gs>
+              <a:gs pos="74000">
+                <a:schemeClr val="accent5">
+                  <a:lumMod val="45000"/>
+                  <a:lumOff val="55000"/>
+                </a:schemeClr>
+              </a:gs>
+              <a:gs pos="83000">
+                <a:schemeClr val="accent5">
+                  <a:lumMod val="45000"/>
+                  <a:lumOff val="55000"/>
+                </a:schemeClr>
+              </a:gs>
+              <a:gs pos="100000">
+                <a:schemeClr val="accent5">
+                  <a:lumMod val="30000"/>
+                  <a:lumOff val="70000"/>
+                </a:schemeClr>
+              </a:gs>
+            </a:gsLst>
+            <a:lin ang="5400000" scaled="1"/>
+            <a:tileRect/>
+          </a:gradFill>
         </p:spPr>
         <p:style>
           <a:lnRef idx="1">
@@ -3444,10 +3479,10 @@
           <a:p>
             <a:pPr algn="ctr"/>
             <a:r>
-              <a:rPr lang="en-US" smtClean="0"/>
+              <a:rPr lang="en-US" b="1" smtClean="0"/>
               <a:t>PRESENTATION LAYER</a:t>
             </a:r>
-            <a:endParaRPr lang="en-US"/>
+            <a:endParaRPr lang="en-US" b="1"/>
           </a:p>
         </p:txBody>
       </p:sp>
@@ -3459,7 +3494,7 @@
         </p:nvSpPr>
         <p:spPr>
           <a:xfrm>
-            <a:off x="5217062" y="1438617"/>
+            <a:off x="6919252" y="1663700"/>
             <a:ext cx="2755900" cy="4279900"/>
           </a:xfrm>
           <a:prstGeom prst="roundRect">
@@ -3467,6 +3502,36 @@
               <a:gd name="adj" fmla="val 7911"/>
             </a:avLst>
           </a:prstGeom>
+          <a:gradFill flip="none" rotWithShape="1">
+            <a:gsLst>
+              <a:gs pos="0">
+                <a:schemeClr val="accent4">
+                  <a:lumMod val="5000"/>
+                  <a:lumOff val="95000"/>
+                </a:schemeClr>
+              </a:gs>
+              <a:gs pos="74000">
+                <a:schemeClr val="accent4">
+                  <a:lumMod val="45000"/>
+                  <a:lumOff val="55000"/>
+                </a:schemeClr>
+              </a:gs>
+              <a:gs pos="83000">
+                <a:schemeClr val="accent4">
+                  <a:lumMod val="45000"/>
+                  <a:lumOff val="55000"/>
+                </a:schemeClr>
+              </a:gs>
+              <a:gs pos="100000">
+                <a:schemeClr val="accent4">
+                  <a:lumMod val="30000"/>
+                  <a:lumOff val="70000"/>
+                </a:schemeClr>
+              </a:gs>
+            </a:gsLst>
+            <a:lin ang="5400000" scaled="1"/>
+            <a:tileRect/>
+          </a:gradFill>
         </p:spPr>
         <p:style>
           <a:lnRef idx="1">
@@ -3488,10 +3553,10 @@
           <a:p>
             <a:pPr algn="ctr"/>
             <a:r>
-              <a:rPr lang="en-US" smtClean="0"/>
+              <a:rPr lang="en-US" b="1" smtClean="0"/>
               <a:t>MODEL</a:t>
             </a:r>
-            <a:endParaRPr lang="en-US"/>
+            <a:endParaRPr lang="en-US" b="1"/>
           </a:p>
         </p:txBody>
       </p:sp>
@@ -3503,7 +3568,7 @@
         </p:nvSpPr>
         <p:spPr>
           <a:xfrm>
-            <a:off x="946687" y="1895817"/>
+            <a:off x="2648877" y="2419350"/>
             <a:ext cx="2298700" cy="990600"/>
           </a:xfrm>
           <a:prstGeom prst="roundRect">
@@ -3511,6 +3576,36 @@
               <a:gd name="adj" fmla="val 7911"/>
             </a:avLst>
           </a:prstGeom>
+          <a:gradFill flip="none" rotWithShape="1">
+            <a:gsLst>
+              <a:gs pos="0">
+                <a:schemeClr val="accent4">
+                  <a:lumMod val="5000"/>
+                  <a:lumOff val="95000"/>
+                </a:schemeClr>
+              </a:gs>
+              <a:gs pos="74000">
+                <a:schemeClr val="accent4">
+                  <a:lumMod val="45000"/>
+                  <a:lumOff val="55000"/>
+                </a:schemeClr>
+              </a:gs>
+              <a:gs pos="83000">
+                <a:schemeClr val="accent4">
+                  <a:lumMod val="45000"/>
+                  <a:lumOff val="55000"/>
+                </a:schemeClr>
+              </a:gs>
+              <a:gs pos="100000">
+                <a:schemeClr val="accent4">
+                  <a:lumMod val="30000"/>
+                  <a:lumOff val="70000"/>
+                </a:schemeClr>
+              </a:gs>
+            </a:gsLst>
+            <a:lin ang="5400000" scaled="1"/>
+            <a:tileRect/>
+          </a:gradFill>
         </p:spPr>
         <p:style>
           <a:lnRef idx="1">
@@ -3532,10 +3627,10 @@
           <a:p>
             <a:pPr algn="ctr"/>
             <a:r>
-              <a:rPr lang="en-US" smtClean="0"/>
+              <a:rPr lang="en-US" b="1" smtClean="0"/>
               <a:t>CONTROLLER</a:t>
             </a:r>
-            <a:endParaRPr lang="en-US"/>
+            <a:endParaRPr lang="en-US" b="1"/>
           </a:p>
         </p:txBody>
       </p:sp>
@@ -3547,7 +3642,7 @@
         </p:nvSpPr>
         <p:spPr>
           <a:xfrm>
-            <a:off x="946687" y="4308817"/>
+            <a:off x="2648877" y="4165600"/>
             <a:ext cx="2298700" cy="990600"/>
           </a:xfrm>
           <a:prstGeom prst="roundRect">
@@ -3555,6 +3650,36 @@
               <a:gd name="adj" fmla="val 7911"/>
             </a:avLst>
           </a:prstGeom>
+          <a:gradFill flip="none" rotWithShape="1">
+            <a:gsLst>
+              <a:gs pos="0">
+                <a:schemeClr val="accent4">
+                  <a:lumMod val="5000"/>
+                  <a:lumOff val="95000"/>
+                </a:schemeClr>
+              </a:gs>
+              <a:gs pos="74000">
+                <a:schemeClr val="accent4">
+                  <a:lumMod val="45000"/>
+                  <a:lumOff val="55000"/>
+                </a:schemeClr>
+              </a:gs>
+              <a:gs pos="83000">
+                <a:schemeClr val="accent4">
+                  <a:lumMod val="45000"/>
+                  <a:lumOff val="55000"/>
+                </a:schemeClr>
+              </a:gs>
+              <a:gs pos="100000">
+                <a:schemeClr val="accent4">
+                  <a:lumMod val="30000"/>
+                  <a:lumOff val="70000"/>
+                </a:schemeClr>
+              </a:gs>
+            </a:gsLst>
+            <a:lin ang="5400000" scaled="1"/>
+            <a:tileRect/>
+          </a:gradFill>
         </p:spPr>
         <p:style>
           <a:lnRef idx="1">
@@ -3576,10 +3701,10 @@
           <a:p>
             <a:pPr algn="ctr"/>
             <a:r>
-              <a:rPr lang="en-US" smtClean="0"/>
+              <a:rPr lang="en-US" b="1" smtClean="0"/>
               <a:t>VIEW</a:t>
             </a:r>
-            <a:endParaRPr lang="en-US"/>
+            <a:endParaRPr lang="en-US" b="1"/>
           </a:p>
         </p:txBody>
       </p:sp>
@@ -3591,7 +3716,7 @@
         </p:nvSpPr>
         <p:spPr>
           <a:xfrm>
-            <a:off x="5445662" y="1895817"/>
+            <a:off x="7147852" y="1860550"/>
             <a:ext cx="2298700" cy="990600"/>
           </a:xfrm>
           <a:prstGeom prst="roundRect">
@@ -3599,6 +3724,36 @@
               <a:gd name="adj" fmla="val 7911"/>
             </a:avLst>
           </a:prstGeom>
+          <a:gradFill flip="none" rotWithShape="1">
+            <a:gsLst>
+              <a:gs pos="0">
+                <a:schemeClr val="accent5">
+                  <a:lumMod val="5000"/>
+                  <a:lumOff val="95000"/>
+                </a:schemeClr>
+              </a:gs>
+              <a:gs pos="74000">
+                <a:schemeClr val="accent5">
+                  <a:lumMod val="45000"/>
+                  <a:lumOff val="55000"/>
+                </a:schemeClr>
+              </a:gs>
+              <a:gs pos="83000">
+                <a:schemeClr val="accent5">
+                  <a:lumMod val="45000"/>
+                  <a:lumOff val="55000"/>
+                </a:schemeClr>
+              </a:gs>
+              <a:gs pos="100000">
+                <a:schemeClr val="accent5">
+                  <a:lumMod val="30000"/>
+                  <a:lumOff val="70000"/>
+                </a:schemeClr>
+              </a:gs>
+            </a:gsLst>
+            <a:lin ang="5400000" scaled="1"/>
+            <a:tileRect/>
+          </a:gradFill>
         </p:spPr>
         <p:style>
           <a:lnRef idx="1">
@@ -3620,10 +3775,14 @@
           <a:p>
             <a:pPr algn="ctr"/>
             <a:r>
-              <a:rPr lang="en-US" smtClean="0"/>
-              <a:t>BUSINESS LAYER</a:t>
-            </a:r>
-            <a:endParaRPr lang="en-US"/>
+              <a:rPr lang="en-US" b="1" smtClean="0"/>
+              <a:t>DOMAIN </a:t>
+            </a:r>
+            <a:r>
+              <a:rPr lang="en-US" b="1" smtClean="0"/>
+              <a:t>LAYER</a:t>
+            </a:r>
+            <a:endParaRPr lang="en-US" b="1"/>
           </a:p>
         </p:txBody>
       </p:sp>
@@ -3635,7 +3794,7 @@
         </p:nvSpPr>
         <p:spPr>
           <a:xfrm>
-            <a:off x="5445662" y="4308817"/>
+            <a:off x="7147852" y="4775947"/>
             <a:ext cx="2298700" cy="990600"/>
           </a:xfrm>
           <a:prstGeom prst="roundRect">
@@ -3643,6 +3802,36 @@
               <a:gd name="adj" fmla="val 7911"/>
             </a:avLst>
           </a:prstGeom>
+          <a:gradFill flip="none" rotWithShape="1">
+            <a:gsLst>
+              <a:gs pos="0">
+                <a:schemeClr val="accent5">
+                  <a:lumMod val="5000"/>
+                  <a:lumOff val="95000"/>
+                </a:schemeClr>
+              </a:gs>
+              <a:gs pos="74000">
+                <a:schemeClr val="accent5">
+                  <a:lumMod val="45000"/>
+                  <a:lumOff val="55000"/>
+                </a:schemeClr>
+              </a:gs>
+              <a:gs pos="83000">
+                <a:schemeClr val="accent5">
+                  <a:lumMod val="45000"/>
+                  <a:lumOff val="55000"/>
+                </a:schemeClr>
+              </a:gs>
+              <a:gs pos="100000">
+                <a:schemeClr val="accent5">
+                  <a:lumMod val="30000"/>
+                  <a:lumOff val="70000"/>
+                </a:schemeClr>
+              </a:gs>
+            </a:gsLst>
+            <a:lin ang="5400000" scaled="1"/>
+            <a:tileRect/>
+          </a:gradFill>
         </p:spPr>
         <p:style>
           <a:lnRef idx="1">
@@ -3664,10 +3853,10 @@
           <a:p>
             <a:pPr algn="ctr"/>
             <a:r>
-              <a:rPr lang="en-US" smtClean="0"/>
+              <a:rPr lang="en-US" b="1" smtClean="0"/>
               <a:t>DATA ACCESS LAYER</a:t>
             </a:r>
-            <a:endParaRPr lang="en-US"/>
+            <a:endParaRPr lang="en-US" b="1"/>
           </a:p>
         </p:txBody>
       </p:sp>
@@ -3679,7 +3868,7 @@
         </p:nvSpPr>
         <p:spPr>
           <a:xfrm>
-            <a:off x="8703212" y="2130767"/>
+            <a:off x="2420275" y="908050"/>
             <a:ext cx="2755900" cy="558800"/>
           </a:xfrm>
           <a:prstGeom prst="roundRect">
@@ -3687,6 +3876,36 @@
               <a:gd name="adj" fmla="val 7911"/>
             </a:avLst>
           </a:prstGeom>
+          <a:gradFill flip="none" rotWithShape="1">
+            <a:gsLst>
+              <a:gs pos="0">
+                <a:schemeClr val="accent1">
+                  <a:lumMod val="5000"/>
+                  <a:lumOff val="95000"/>
+                </a:schemeClr>
+              </a:gs>
+              <a:gs pos="74000">
+                <a:schemeClr val="accent1">
+                  <a:lumMod val="45000"/>
+                  <a:lumOff val="55000"/>
+                </a:schemeClr>
+              </a:gs>
+              <a:gs pos="83000">
+                <a:schemeClr val="accent1">
+                  <a:lumMod val="45000"/>
+                  <a:lumOff val="55000"/>
+                </a:schemeClr>
+              </a:gs>
+              <a:gs pos="100000">
+                <a:schemeClr val="accent1">
+                  <a:lumMod val="30000"/>
+                  <a:lumOff val="70000"/>
+                </a:schemeClr>
+              </a:gs>
+            </a:gsLst>
+            <a:lin ang="5400000" scaled="1"/>
+            <a:tileRect/>
+          </a:gradFill>
         </p:spPr>
         <p:style>
           <a:lnRef idx="1">
@@ -3708,10 +3927,10 @@
           <a:p>
             <a:pPr algn="ctr"/>
             <a:r>
-              <a:rPr lang="en-US" smtClean="0"/>
+              <a:rPr lang="en-US" b="1" smtClean="0"/>
               <a:t>3-TIERS LAYER</a:t>
             </a:r>
-            <a:endParaRPr lang="en-US"/>
+            <a:endParaRPr lang="en-US" b="1"/>
           </a:p>
         </p:txBody>
       </p:sp>
@@ -3723,14 +3942,44 @@
         </p:nvSpPr>
         <p:spPr>
           <a:xfrm>
-            <a:off x="8703212" y="1438617"/>
-            <a:ext cx="2755900" cy="571500"/>
+            <a:off x="6919252" y="908050"/>
+            <a:ext cx="2755900" cy="579268"/>
           </a:xfrm>
           <a:prstGeom prst="roundRect">
             <a:avLst>
               <a:gd name="adj" fmla="val 7911"/>
             </a:avLst>
           </a:prstGeom>
+          <a:gradFill flip="none" rotWithShape="1">
+            <a:gsLst>
+              <a:gs pos="0">
+                <a:schemeClr val="accent4">
+                  <a:lumMod val="5000"/>
+                  <a:lumOff val="95000"/>
+                </a:schemeClr>
+              </a:gs>
+              <a:gs pos="74000">
+                <a:schemeClr val="accent4">
+                  <a:lumMod val="45000"/>
+                  <a:lumOff val="55000"/>
+                </a:schemeClr>
+              </a:gs>
+              <a:gs pos="83000">
+                <a:schemeClr val="accent4">
+                  <a:lumMod val="45000"/>
+                  <a:lumOff val="55000"/>
+                </a:schemeClr>
+              </a:gs>
+              <a:gs pos="100000">
+                <a:schemeClr val="accent4">
+                  <a:lumMod val="30000"/>
+                  <a:lumOff val="70000"/>
+                </a:schemeClr>
+              </a:gs>
+            </a:gsLst>
+            <a:lin ang="5400000" scaled="1"/>
+            <a:tileRect/>
+          </a:gradFill>
         </p:spPr>
         <p:style>
           <a:lnRef idx="1">
@@ -3752,10 +4001,10 @@
           <a:p>
             <a:pPr algn="ctr"/>
             <a:r>
-              <a:rPr lang="en-US" smtClean="0"/>
+              <a:rPr lang="en-US" b="1" smtClean="0"/>
               <a:t>MVC Architecture</a:t>
             </a:r>
-            <a:endParaRPr lang="en-US"/>
+            <a:endParaRPr lang="en-US" b="1"/>
           </a:p>
         </p:txBody>
       </p:sp>
@@ -3764,24 +4013,22 @@
           <p:cNvPr id="22" name="Elbow Connector 21"/>
           <p:cNvCxnSpPr>
             <a:stCxn id="10" idx="3"/>
-            <a:endCxn id="9" idx="0"/>
           </p:cNvCxnSpPr>
           <p:nvPr/>
         </p:nvCxnSpPr>
         <p:spPr>
-          <a:xfrm flipV="1">
-            <a:off x="3245387" y="1438617"/>
-            <a:ext cx="3349625" cy="952500"/>
+          <a:xfrm>
+            <a:off x="4947577" y="2914650"/>
+            <a:ext cx="1971675" cy="2459"/>
           </a:xfrm>
-          <a:prstGeom prst="bentConnector4">
+          <a:prstGeom prst="bentConnector3">
             <a:avLst>
-              <a:gd name="adj1" fmla="val 13892"/>
-              <a:gd name="adj2" fmla="val 171262"/>
+              <a:gd name="adj1" fmla="val 50000"/>
             </a:avLst>
           </a:prstGeom>
-          <a:ln w="63500">
+          <a:ln w="44450">
             <a:solidFill>
-              <a:schemeClr val="accent2"/>
+              <a:srgbClr val="C00000"/>
             </a:solidFill>
             <a:tailEnd type="triangle"/>
           </a:ln>
@@ -3805,26 +4052,102 @@
         <p:nvCxnSpPr>
           <p:cNvPr id="24" name="Elbow Connector 23"/>
           <p:cNvCxnSpPr>
-            <a:stCxn id="9" idx="2"/>
             <a:endCxn id="11" idx="3"/>
           </p:cNvCxnSpPr>
           <p:nvPr/>
         </p:nvCxnSpPr>
         <p:spPr>
-          <a:xfrm rot="5400000" flipH="1">
-            <a:off x="4463000" y="3586505"/>
-            <a:ext cx="914400" cy="3349625"/>
+          <a:xfrm rot="10800000" flipV="1">
+            <a:off x="4947578" y="4657382"/>
+            <a:ext cx="1971675" cy="3517"/>
           </a:xfrm>
-          <a:prstGeom prst="bentConnector4">
+          <a:prstGeom prst="bentConnector3">
             <a:avLst>
-              <a:gd name="adj1" fmla="val -63462"/>
-              <a:gd name="adj2" fmla="val 80228"/>
+              <a:gd name="adj1" fmla="val 50000"/>
             </a:avLst>
           </a:prstGeom>
-          <a:ln w="63500">
+          <a:ln w="44450">
             <a:solidFill>
-              <a:schemeClr val="accent2"/>
+              <a:srgbClr val="C00000"/>
             </a:solidFill>
+            <a:tailEnd type="triangle"/>
+          </a:ln>
+        </p:spPr>
+        <p:style>
+          <a:lnRef idx="1">
+            <a:schemeClr val="accent1"/>
+          </a:lnRef>
+          <a:fillRef idx="0">
+            <a:schemeClr val="accent1"/>
+          </a:fillRef>
+          <a:effectRef idx="0">
+            <a:schemeClr val="accent1"/>
+          </a:effectRef>
+          <a:fontRef idx="minor">
+            <a:schemeClr val="tx1"/>
+          </a:fontRef>
+        </p:style>
+      </p:cxnSp>
+      <p:cxnSp>
+        <p:nvCxnSpPr>
+          <p:cNvPr id="16" name="Elbow Connector 15"/>
+          <p:cNvCxnSpPr/>
+          <p:nvPr/>
+        </p:nvCxnSpPr>
+        <p:spPr>
+          <a:xfrm rot="10800000" flipV="1">
+            <a:off x="5176176" y="2352333"/>
+            <a:ext cx="1971675" cy="3517"/>
+          </a:xfrm>
+          <a:prstGeom prst="bentConnector3">
+            <a:avLst>
+              <a:gd name="adj1" fmla="val 50000"/>
+            </a:avLst>
+          </a:prstGeom>
+          <a:ln w="44450">
+            <a:solidFill>
+              <a:srgbClr val="002060"/>
+            </a:solidFill>
+            <a:headEnd type="triangle"/>
+            <a:tailEnd type="triangle"/>
+          </a:ln>
+        </p:spPr>
+        <p:style>
+          <a:lnRef idx="1">
+            <a:schemeClr val="accent1"/>
+          </a:lnRef>
+          <a:fillRef idx="0">
+            <a:schemeClr val="accent1"/>
+          </a:fillRef>
+          <a:effectRef idx="0">
+            <a:schemeClr val="accent1"/>
+          </a:effectRef>
+          <a:fontRef idx="minor">
+            <a:schemeClr val="tx1"/>
+          </a:fontRef>
+        </p:style>
+      </p:cxnSp>
+      <p:cxnSp>
+        <p:nvCxnSpPr>
+          <p:cNvPr id="23" name="Elbow Connector 22"/>
+          <p:cNvCxnSpPr/>
+          <p:nvPr/>
+        </p:nvCxnSpPr>
+        <p:spPr>
+          <a:xfrm rot="16200000" flipH="1">
+            <a:off x="8153466" y="3813548"/>
+            <a:ext cx="1924800" cy="2"/>
+          </a:xfrm>
+          <a:prstGeom prst="bentConnector3">
+            <a:avLst>
+              <a:gd name="adj1" fmla="val 50000"/>
+            </a:avLst>
+          </a:prstGeom>
+          <a:ln w="44450">
+            <a:solidFill>
+              <a:srgbClr val="002060"/>
+            </a:solidFill>
+            <a:headEnd type="triangle"/>
             <a:tailEnd type="triangle"/>
           </a:ln>
         </p:spPr>

--- a/PhanLoaiModel.pptx
+++ b/PhanLoaiModel.pptx
@@ -197,7 +197,7 @@
           <a:p>
             <a:fld id="{87519E75-1F13-44F5-BB10-B2235FE8DB36}" type="datetimeFigureOut">
               <a:rPr lang="en-US" smtClean="0"/>
-              <a:t>7/30/2020</a:t>
+              <a:t>7/31/2020</a:t>
             </a:fld>
             <a:endParaRPr lang="en-US"/>
           </a:p>
@@ -686,7 +686,7 @@
           <a:p>
             <a:fld id="{B33B9B78-C97A-4366-91CB-EF4DE860760E}" type="datetimeFigureOut">
               <a:rPr lang="en-US" smtClean="0"/>
-              <a:t>7/30/2020</a:t>
+              <a:t>7/31/2020</a:t>
             </a:fld>
             <a:endParaRPr lang="en-US"/>
           </a:p>
@@ -856,7 +856,7 @@
           <a:p>
             <a:fld id="{B33B9B78-C97A-4366-91CB-EF4DE860760E}" type="datetimeFigureOut">
               <a:rPr lang="en-US" smtClean="0"/>
-              <a:t>7/30/2020</a:t>
+              <a:t>7/31/2020</a:t>
             </a:fld>
             <a:endParaRPr lang="en-US"/>
           </a:p>
@@ -1036,7 +1036,7 @@
           <a:p>
             <a:fld id="{B33B9B78-C97A-4366-91CB-EF4DE860760E}" type="datetimeFigureOut">
               <a:rPr lang="en-US" smtClean="0"/>
-              <a:t>7/30/2020</a:t>
+              <a:t>7/31/2020</a:t>
             </a:fld>
             <a:endParaRPr lang="en-US"/>
           </a:p>
@@ -1206,7 +1206,7 @@
           <a:p>
             <a:fld id="{B33B9B78-C97A-4366-91CB-EF4DE860760E}" type="datetimeFigureOut">
               <a:rPr lang="en-US" smtClean="0"/>
-              <a:t>7/30/2020</a:t>
+              <a:t>7/31/2020</a:t>
             </a:fld>
             <a:endParaRPr lang="en-US"/>
           </a:p>
@@ -1452,7 +1452,7 @@
           <a:p>
             <a:fld id="{B33B9B78-C97A-4366-91CB-EF4DE860760E}" type="datetimeFigureOut">
               <a:rPr lang="en-US" smtClean="0"/>
-              <a:t>7/30/2020</a:t>
+              <a:t>7/31/2020</a:t>
             </a:fld>
             <a:endParaRPr lang="en-US"/>
           </a:p>
@@ -1684,7 +1684,7 @@
           <a:p>
             <a:fld id="{B33B9B78-C97A-4366-91CB-EF4DE860760E}" type="datetimeFigureOut">
               <a:rPr lang="en-US" smtClean="0"/>
-              <a:t>7/30/2020</a:t>
+              <a:t>7/31/2020</a:t>
             </a:fld>
             <a:endParaRPr lang="en-US"/>
           </a:p>
@@ -2051,7 +2051,7 @@
           <a:p>
             <a:fld id="{B33B9B78-C97A-4366-91CB-EF4DE860760E}" type="datetimeFigureOut">
               <a:rPr lang="en-US" smtClean="0"/>
-              <a:t>7/30/2020</a:t>
+              <a:t>7/31/2020</a:t>
             </a:fld>
             <a:endParaRPr lang="en-US"/>
           </a:p>
@@ -2169,7 +2169,7 @@
           <a:p>
             <a:fld id="{B33B9B78-C97A-4366-91CB-EF4DE860760E}" type="datetimeFigureOut">
               <a:rPr lang="en-US" smtClean="0"/>
-              <a:t>7/30/2020</a:t>
+              <a:t>7/31/2020</a:t>
             </a:fld>
             <a:endParaRPr lang="en-US"/>
           </a:p>
@@ -2264,7 +2264,7 @@
           <a:p>
             <a:fld id="{B33B9B78-C97A-4366-91CB-EF4DE860760E}" type="datetimeFigureOut">
               <a:rPr lang="en-US" smtClean="0"/>
-              <a:t>7/30/2020</a:t>
+              <a:t>7/31/2020</a:t>
             </a:fld>
             <a:endParaRPr lang="en-US"/>
           </a:p>
@@ -2541,7 +2541,7 @@
           <a:p>
             <a:fld id="{B33B9B78-C97A-4366-91CB-EF4DE860760E}" type="datetimeFigureOut">
               <a:rPr lang="en-US" smtClean="0"/>
-              <a:t>7/30/2020</a:t>
+              <a:t>7/31/2020</a:t>
             </a:fld>
             <a:endParaRPr lang="en-US"/>
           </a:p>
@@ -2794,7 +2794,7 @@
           <a:p>
             <a:fld id="{B33B9B78-C97A-4366-91CB-EF4DE860760E}" type="datetimeFigureOut">
               <a:rPr lang="en-US" smtClean="0"/>
-              <a:t>7/30/2020</a:t>
+              <a:t>7/31/2020</a:t>
             </a:fld>
             <a:endParaRPr lang="en-US"/>
           </a:p>
@@ -3007,7 +3007,7 @@
           <a:p>
             <a:fld id="{B33B9B78-C97A-4366-91CB-EF4DE860760E}" type="datetimeFigureOut">
               <a:rPr lang="en-US" smtClean="0"/>
-              <a:t>7/30/2020</a:t>
+              <a:t>7/31/2020</a:t>
             </a:fld>
             <a:endParaRPr lang="en-US"/>
           </a:p>
@@ -3414,6 +3414,56 @@
       </p:grpSpPr>
       <p:sp>
         <p:nvSpPr>
+          <p:cNvPr id="4" name="Rounded Rectangle 3"/>
+          <p:cNvSpPr/>
+          <p:nvPr/>
+        </p:nvSpPr>
+        <p:spPr>
+          <a:xfrm>
+            <a:off x="147918" y="712694"/>
+            <a:ext cx="11806517" cy="5446059"/>
+          </a:xfrm>
+          <a:prstGeom prst="roundRect">
+            <a:avLst>
+              <a:gd name="adj" fmla="val 3581"/>
+            </a:avLst>
+          </a:prstGeom>
+          <a:noFill/>
+          <a:ln w="6350">
+            <a:solidFill>
+              <a:schemeClr val="bg1">
+                <a:lumMod val="95000"/>
+              </a:schemeClr>
+            </a:solidFill>
+          </a:ln>
+        </p:spPr>
+        <p:style>
+          <a:lnRef idx="2">
+            <a:schemeClr val="accent1">
+              <a:shade val="50000"/>
+            </a:schemeClr>
+          </a:lnRef>
+          <a:fillRef idx="1">
+            <a:schemeClr val="accent1"/>
+          </a:fillRef>
+          <a:effectRef idx="0">
+            <a:schemeClr val="accent1"/>
+          </a:effectRef>
+          <a:fontRef idx="minor">
+            <a:schemeClr val="lt1"/>
+          </a:fontRef>
+        </p:style>
+        <p:txBody>
+          <a:bodyPr rtlCol="0" anchor="ctr"/>
+          <a:lstStyle/>
+          <a:p>
+            <a:pPr algn="ctr"/>
+            <a:endParaRPr lang="en-US"/>
+          </a:p>
+        </p:txBody>
+      </p:sp>
+      <p:sp>
+        <p:nvSpPr>
           <p:cNvPr id="8" name="Rounded Rectangle 7"/>
           <p:cNvSpPr/>
           <p:nvPr/>
@@ -3479,10 +3529,10 @@
           <a:p>
             <a:pPr algn="ctr"/>
             <a:r>
-              <a:rPr lang="en-US" b="1" smtClean="0"/>
+              <a:rPr lang="en-US" sz="1200" b="1" smtClean="0"/>
               <a:t>PRESENTATION LAYER</a:t>
             </a:r>
-            <a:endParaRPr lang="en-US" b="1"/>
+            <a:endParaRPr lang="en-US" sz="1200" b="1"/>
           </a:p>
         </p:txBody>
       </p:sp>
@@ -3553,10 +3603,10 @@
           <a:p>
             <a:pPr algn="ctr"/>
             <a:r>
-              <a:rPr lang="en-US" b="1" smtClean="0"/>
+              <a:rPr lang="en-US" sz="1200" b="1" smtClean="0"/>
               <a:t>MODEL</a:t>
             </a:r>
-            <a:endParaRPr lang="en-US" b="1"/>
+            <a:endParaRPr lang="en-US" sz="1200" b="1"/>
           </a:p>
         </p:txBody>
       </p:sp>
@@ -3627,10 +3677,10 @@
           <a:p>
             <a:pPr algn="ctr"/>
             <a:r>
-              <a:rPr lang="en-US" b="1" smtClean="0"/>
+              <a:rPr lang="en-US" sz="1200" b="1" smtClean="0"/>
               <a:t>CONTROLLER</a:t>
             </a:r>
-            <a:endParaRPr lang="en-US" b="1"/>
+            <a:endParaRPr lang="en-US" sz="1200" b="1"/>
           </a:p>
         </p:txBody>
       </p:sp>
@@ -3701,10 +3751,10 @@
           <a:p>
             <a:pPr algn="ctr"/>
             <a:r>
-              <a:rPr lang="en-US" b="1" smtClean="0"/>
+              <a:rPr lang="en-US" sz="1200" b="1" smtClean="0"/>
               <a:t>VIEW</a:t>
             </a:r>
-            <a:endParaRPr lang="en-US" b="1"/>
+            <a:endParaRPr lang="en-US" sz="1200" b="1"/>
           </a:p>
         </p:txBody>
       </p:sp>
@@ -3775,14 +3825,14 @@
           <a:p>
             <a:pPr algn="ctr"/>
             <a:r>
-              <a:rPr lang="en-US" b="1" smtClean="0"/>
-              <a:t>DOMAIN </a:t>
-            </a:r>
-            <a:r>
-              <a:rPr lang="en-US" b="1" smtClean="0"/>
+              <a:rPr lang="en-US" sz="1200" b="1" smtClean="0"/>
+              <a:t>BUSINESS </a:t>
+            </a:r>
+            <a:r>
+              <a:rPr lang="en-US" sz="1200" b="1" smtClean="0"/>
               <a:t>LAYER</a:t>
             </a:r>
-            <a:endParaRPr lang="en-US" b="1"/>
+            <a:endParaRPr lang="en-US" sz="1200" b="1"/>
           </a:p>
         </p:txBody>
       </p:sp>
@@ -3853,10 +3903,10 @@
           <a:p>
             <a:pPr algn="ctr"/>
             <a:r>
-              <a:rPr lang="en-US" b="1" smtClean="0"/>
+              <a:rPr lang="en-US" sz="1200" b="1" smtClean="0"/>
               <a:t>DATA ACCESS LAYER</a:t>
             </a:r>
-            <a:endParaRPr lang="en-US" b="1"/>
+            <a:endParaRPr lang="en-US" sz="1200" b="1"/>
           </a:p>
         </p:txBody>
       </p:sp>
@@ -3927,10 +3977,10 @@
           <a:p>
             <a:pPr algn="ctr"/>
             <a:r>
-              <a:rPr lang="en-US" b="1" smtClean="0"/>
-              <a:t>3-TIERS LAYER</a:t>
-            </a:r>
-            <a:endParaRPr lang="en-US" b="1"/>
+              <a:rPr lang="en-US" sz="1200" b="1" smtClean="0"/>
+              <a:t>3-LAYER</a:t>
+            </a:r>
+            <a:endParaRPr lang="en-US" sz="1200" b="1"/>
           </a:p>
         </p:txBody>
       </p:sp>
@@ -4001,10 +4051,10 @@
           <a:p>
             <a:pPr algn="ctr"/>
             <a:r>
-              <a:rPr lang="en-US" b="1" smtClean="0"/>
+              <a:rPr lang="en-US" sz="1200" b="1" smtClean="0"/>
               <a:t>MVC Architecture</a:t>
             </a:r>
-            <a:endParaRPr lang="en-US" b="1"/>
+            <a:endParaRPr lang="en-US" sz="1200" b="1"/>
           </a:p>
         </p:txBody>
       </p:sp>
